--- a/IBM_IoT.pptx
+++ b/IBM_IoT.pptx
@@ -215,7 +215,7 @@
           <a:p>
             <a:fld id="{BC9173F0-1FC8-4844-8A34-F234D7D94743}" type="datetimeFigureOut">
               <a:rPr lang="en-US" smtClean="0"/>
-              <a:t>6/7/2015</a:t>
+              <a:t>6/16/2015</a:t>
             </a:fld>
             <a:endParaRPr lang="en-US"/>
           </a:p>
@@ -710,7 +710,7 @@
           <a:p>
             <a:fld id="{B62B73B6-DB7F-0648-A5CE-5ED976A0968D}" type="datetimeFigureOut">
               <a:rPr lang="en-US" smtClean="0"/>
-              <a:t>6/7/2015</a:t>
+              <a:t>6/16/2015</a:t>
             </a:fld>
             <a:endParaRPr lang="en-US"/>
           </a:p>
@@ -891,7 +891,7 @@
           <a:p>
             <a:fld id="{B62B73B6-DB7F-0648-A5CE-5ED976A0968D}" type="datetimeFigureOut">
               <a:rPr lang="en-US" smtClean="0"/>
-              <a:t>6/7/2015</a:t>
+              <a:t>6/16/2015</a:t>
             </a:fld>
             <a:endParaRPr lang="en-US"/>
           </a:p>
@@ -1082,7 +1082,7 @@
           <a:p>
             <a:fld id="{B62B73B6-DB7F-0648-A5CE-5ED976A0968D}" type="datetimeFigureOut">
               <a:rPr lang="en-US" smtClean="0"/>
-              <a:t>6/7/2015</a:t>
+              <a:t>6/16/2015</a:t>
             </a:fld>
             <a:endParaRPr lang="en-US"/>
           </a:p>
@@ -1263,7 +1263,7 @@
           <a:p>
             <a:fld id="{B62B73B6-DB7F-0648-A5CE-5ED976A0968D}" type="datetimeFigureOut">
               <a:rPr lang="en-US" smtClean="0"/>
-              <a:t>6/7/2015</a:t>
+              <a:t>6/16/2015</a:t>
             </a:fld>
             <a:endParaRPr lang="en-US"/>
           </a:p>
@@ -1516,7 +1516,7 @@
           <a:p>
             <a:fld id="{B62B73B6-DB7F-0648-A5CE-5ED976A0968D}" type="datetimeFigureOut">
               <a:rPr lang="en-US" smtClean="0"/>
-              <a:t>6/7/2015</a:t>
+              <a:t>6/16/2015</a:t>
             </a:fld>
             <a:endParaRPr lang="en-US"/>
           </a:p>
@@ -1759,7 +1759,7 @@
           <a:p>
             <a:fld id="{B62B73B6-DB7F-0648-A5CE-5ED976A0968D}" type="datetimeFigureOut">
               <a:rPr lang="en-US" smtClean="0"/>
-              <a:t>6/7/2015</a:t>
+              <a:t>6/16/2015</a:t>
             </a:fld>
             <a:endParaRPr lang="en-US"/>
           </a:p>
@@ -2137,7 +2137,7 @@
           <a:p>
             <a:fld id="{B62B73B6-DB7F-0648-A5CE-5ED976A0968D}" type="datetimeFigureOut">
               <a:rPr lang="en-US" smtClean="0"/>
-              <a:t>6/7/2015</a:t>
+              <a:t>6/16/2015</a:t>
             </a:fld>
             <a:endParaRPr lang="en-US"/>
           </a:p>
@@ -2266,7 +2266,7 @@
           <a:p>
             <a:fld id="{B62B73B6-DB7F-0648-A5CE-5ED976A0968D}" type="datetimeFigureOut">
               <a:rPr lang="en-US" smtClean="0"/>
-              <a:t>6/7/2015</a:t>
+              <a:t>6/16/2015</a:t>
             </a:fld>
             <a:endParaRPr lang="en-US"/>
           </a:p>
@@ -2368,7 +2368,7 @@
           <a:p>
             <a:fld id="{B62B73B6-DB7F-0648-A5CE-5ED976A0968D}" type="datetimeFigureOut">
               <a:rPr lang="en-US" smtClean="0"/>
-              <a:t>6/7/2015</a:t>
+              <a:t>6/16/2015</a:t>
             </a:fld>
             <a:endParaRPr lang="en-US"/>
           </a:p>
@@ -2652,7 +2652,7 @@
           <a:p>
             <a:fld id="{B62B73B6-DB7F-0648-A5CE-5ED976A0968D}" type="datetimeFigureOut">
               <a:rPr lang="en-US" smtClean="0"/>
-              <a:t>6/7/2015</a:t>
+              <a:t>6/16/2015</a:t>
             </a:fld>
             <a:endParaRPr lang="en-US"/>
           </a:p>
@@ -2912,7 +2912,7 @@
           <a:p>
             <a:fld id="{B62B73B6-DB7F-0648-A5CE-5ED976A0968D}" type="datetimeFigureOut">
               <a:rPr lang="en-US" smtClean="0"/>
-              <a:t>6/7/2015</a:t>
+              <a:t>6/16/2015</a:t>
             </a:fld>
             <a:endParaRPr lang="en-US"/>
           </a:p>
@@ -3132,7 +3132,7 @@
           <a:p>
             <a:fld id="{B62B73B6-DB7F-0648-A5CE-5ED976A0968D}" type="datetimeFigureOut">
               <a:rPr lang="en-US" smtClean="0"/>
-              <a:t>6/7/2015</a:t>
+              <a:t>6/16/2015</a:t>
             </a:fld>
             <a:endParaRPr lang="en-US"/>
           </a:p>
@@ -3591,15 +3591,7 @@
             <a:pPr algn="r"/>
             <a:r>
               <a:rPr lang="en-US" dirty="0" smtClean="0"/>
-              <a:t>Member 1: </a:t>
-            </a:r>
-            <a:r>
-              <a:rPr lang="en-US" dirty="0" smtClean="0"/>
-              <a:t>Le Pham </a:t>
-            </a:r>
-            <a:r>
-              <a:rPr lang="en-US" dirty="0" smtClean="0"/>
-              <a:t>Tuyen (2014311082)</a:t>
+              <a:t>Member 1: Le Pham Tuyen (2014311082)</a:t>
             </a:r>
           </a:p>
           <a:p>
@@ -3833,7 +3825,6 @@
               <a:rPr lang="en-US" dirty="0"/>
               <a:t>It's simple to implement</a:t>
             </a:r>
-            <a:endParaRPr lang="en-US" dirty="0"/>
           </a:p>
         </p:txBody>
       </p:sp>
@@ -3883,7 +3874,6 @@
               <a:rPr lang="en-US" dirty="0"/>
               <a:t>Disconnect</a:t>
             </a:r>
-            <a:endParaRPr lang="en-US" dirty="0"/>
           </a:p>
         </p:txBody>
       </p:sp>
@@ -3985,7 +3975,6 @@
               <a:rPr lang="en-US" dirty="0"/>
               <a:t> constrained devices</a:t>
             </a:r>
-            <a:endParaRPr lang="en-US" dirty="0"/>
           </a:p>
         </p:txBody>
       </p:sp>
@@ -4103,7 +4092,6 @@
               <a:rPr lang="en-US" dirty="0"/>
               <a:t>battery life</a:t>
             </a:r>
-            <a:endParaRPr lang="en-US" dirty="0"/>
           </a:p>
         </p:txBody>
       </p:sp>
@@ -4182,7 +4170,6 @@
               <a:rPr lang="en-US" dirty="0"/>
               <a:t>http://stephendnicholas.com/archives/1217</a:t>
             </a:r>
-            <a:endParaRPr lang="en-US" dirty="0"/>
           </a:p>
         </p:txBody>
       </p:sp>
@@ -4246,7 +4233,6 @@
               <a:rPr lang="en-US" dirty="0"/>
               <a:t>reliable messaging</a:t>
             </a:r>
-            <a:endParaRPr lang="en-US" dirty="0"/>
           </a:p>
         </p:txBody>
       </p:sp>
@@ -4403,7 +4389,6 @@
               <a:rPr lang="en-US" dirty="0" smtClean="0"/>
               <a:t>ever duplicated.</a:t>
             </a:r>
-            <a:endParaRPr lang="en-US" dirty="0" smtClean="0"/>
           </a:p>
           <a:p>
             <a:endParaRPr lang="en-US" dirty="0"/>
@@ -4489,9 +4474,10 @@
           <a:lstStyle/>
           <a:p>
             <a:r>
-              <a:rPr lang="en-US" dirty="0" smtClean="0"/>
-              <a:t>Design</a:t>
-            </a:r>
+              <a:rPr lang="en-US" smtClean="0"/>
+              <a:t>Flow</a:t>
+            </a:r>
+            <a:endParaRPr lang="en-US" dirty="0" smtClean="0"/>
           </a:p>
           <a:p>
             <a:endParaRPr lang="en-US" dirty="0"/>
@@ -6174,7 +6160,7 @@
         <p:spPr>
           <a:xfrm>
             <a:off x="2387298" y="5239378"/>
-            <a:ext cx="2023503" cy="369332"/>
+            <a:ext cx="2344040" cy="369332"/>
           </a:xfrm>
           <a:prstGeom prst="rect">
             <a:avLst/>
@@ -6187,8 +6173,12 @@
           <a:lstStyle/>
           <a:p>
             <a:r>
-              <a:rPr lang="en-US" b="1" smtClean="0"/>
-              <a:t>Measure heartbeat</a:t>
+              <a:rPr lang="en-US" b="1" dirty="0" smtClean="0"/>
+              <a:t>Measure </a:t>
+            </a:r>
+            <a:r>
+              <a:rPr lang="en-US" b="1" dirty="0" smtClean="0"/>
+              <a:t>heartbeat [1]</a:t>
             </a:r>
             <a:endParaRPr lang="en-US" b="1" dirty="0"/>
           </a:p>
@@ -6274,7 +6264,11 @@
           <a:lstStyle/>
           <a:p>
             <a:r>
-              <a:rPr lang="en-US" dirty="0" err="1"/>
+              <a:rPr lang="en-US" dirty="0" smtClean="0"/>
+              <a:t>[1] </a:t>
+            </a:r>
+            <a:r>
+              <a:rPr lang="en-US" dirty="0" err="1" smtClean="0"/>
               <a:t>Poh</a:t>
             </a:r>
             <a:r>
@@ -8101,20 +8095,14 @@
           <a:p>
             <a:r>
               <a:rPr lang="en-US" dirty="0" smtClean="0"/>
-              <a:t>Health </a:t>
-            </a:r>
-            <a:r>
-              <a:rPr lang="en-US" dirty="0" smtClean="0"/>
-              <a:t>Monitoring Application</a:t>
-            </a:r>
-            <a:endParaRPr lang="en-US" dirty="0" smtClean="0"/>
+              <a:t>Health Monitoring Application</a:t>
+            </a:r>
           </a:p>
           <a:p>
             <a:r>
               <a:rPr lang="en-US" dirty="0" smtClean="0"/>
               <a:t>Demo</a:t>
             </a:r>
-            <a:endParaRPr lang="en-US" dirty="0" smtClean="0"/>
           </a:p>
         </p:txBody>
       </p:sp>
@@ -11612,8 +11600,8 @@
           <a:lstStyle/>
           <a:p>
             <a:r>
-              <a:rPr lang="en-US" dirty="0"/>
-              <a:t>Publishing information </a:t>
+              <a:rPr lang="en-US" dirty="0" smtClean="0"/>
+              <a:t>Sending data </a:t>
             </a:r>
             <a:r>
               <a:rPr lang="en-US" b="1" dirty="0" smtClean="0">
@@ -11623,6 +11611,11 @@
               </a:rPr>
               <a:t>one-to-many</a:t>
             </a:r>
+            <a:endParaRPr lang="en-US" b="1" dirty="0" smtClean="0">
+              <a:solidFill>
+                <a:srgbClr val="FF0000"/>
+              </a:solidFill>
+            </a:endParaRPr>
           </a:p>
           <a:p>
             <a:r>
@@ -13047,7 +13040,6 @@
               <a:rPr lang="en-US" dirty="0" smtClean="0"/>
               <a:t>ransport.</a:t>
             </a:r>
-            <a:endParaRPr lang="en-US" dirty="0" smtClean="0"/>
           </a:p>
           <a:p>
             <a:r>
@@ -13062,7 +13054,6 @@
               <a:rPr lang="en-US" dirty="0" smtClean="0"/>
               <a:t>protocol.</a:t>
             </a:r>
-            <a:endParaRPr lang="en-US" dirty="0" smtClean="0"/>
           </a:p>
           <a:p>
             <a:r>
@@ -13077,16 +13068,11 @@
               <a:rPr lang="en-US" dirty="0" smtClean="0"/>
               <a:t>transport.</a:t>
             </a:r>
-            <a:endParaRPr lang="en-US" dirty="0" smtClean="0"/>
           </a:p>
           <a:p>
             <a:r>
               <a:rPr lang="en-US" dirty="0" smtClean="0"/>
-              <a:t>Invented </a:t>
-            </a:r>
-            <a:r>
-              <a:rPr lang="en-US" dirty="0" smtClean="0"/>
-              <a:t>by </a:t>
+              <a:t>Invented by </a:t>
             </a:r>
             <a:r>
               <a:rPr lang="en-US" dirty="0" err="1"/>
